--- a/presentacion.pptx
+++ b/presentacion.pptx
@@ -9,8 +9,10 @@
     <p:sldId id="257" r:id="rId3"/>
     <p:sldId id="258" r:id="rId4"/>
     <p:sldId id="259" r:id="rId5"/>
-    <p:sldId id="260" r:id="rId6"/>
-    <p:sldId id="261" r:id="rId7"/>
+    <p:sldId id="262" r:id="rId6"/>
+    <p:sldId id="260" r:id="rId7"/>
+    <p:sldId id="263" r:id="rId8"/>
+    <p:sldId id="261" r:id="rId9"/>
   </p:sldIdLst>
   <p:sldSz cx="12192000" cy="6858000"/>
   <p:notesSz cx="6858000" cy="9144000"/>
@@ -109,6 +111,11 @@
       </a:defRPr>
     </a:lvl9pPr>
   </p:defaultTextStyle>
+  <p:extLst>
+    <p:ext uri="{EFAFB233-063F-42B5-8137-9DF3F51BA10A}">
+      <p15:sldGuideLst xmlns:p15="http://schemas.microsoft.com/office/powerpoint/2012/main"/>
+    </p:ext>
+  </p:extLst>
 </p:presentation>
 </file>
 
@@ -4868,7 +4875,7 @@
   <p:extLst mod="1">
     <p:ext uri="{DCECCB84-F9BA-43D5-87BE-67443E8EF086}">
       <p15:sldGuideLst xmlns:p15="http://schemas.microsoft.com/office/powerpoint/2012/main">
-        <p15:guide id="4294967295" orient="horz" pos="696">
+        <p15:guide id="1" orient="horz" pos="696">
           <p15:clr>
             <a:srgbClr val="FBAE40"/>
           </p15:clr>
@@ -6772,32 +6779,32 @@
   <p:extLst mod="1">
     <p:ext uri="{27BBF7A9-308A-43DC-89C8-2F10F3537804}">
       <p15:sldGuideLst xmlns:p15="http://schemas.microsoft.com/office/powerpoint/2012/main">
-        <p15:guide id="4294967295" pos="792">
+        <p15:guide id="1" pos="792">
           <p15:clr>
             <a:srgbClr val="F26B43"/>
           </p15:clr>
         </p15:guide>
-        <p15:guide id="4294967295" pos="7200">
+        <p15:guide id="2" pos="7200">
           <p15:clr>
             <a:srgbClr val="F26B43"/>
           </p15:clr>
         </p15:guide>
-        <p15:guide id="4294967295" orient="horz" pos="4008">
+        <p15:guide id="3" orient="horz" pos="4008">
           <p15:clr>
             <a:srgbClr val="F26B43"/>
           </p15:clr>
         </p15:guide>
-        <p15:guide id="4294967295" orient="horz" pos="1440">
+        <p15:guide id="4" orient="horz" pos="1440">
           <p15:clr>
             <a:srgbClr val="F26B43"/>
           </p15:clr>
         </p15:guide>
-        <p15:guide id="4294967295" orient="horz" pos="3720">
+        <p15:guide id="5" orient="horz" pos="3720">
           <p15:clr>
             <a:srgbClr val="F26B43"/>
           </p15:clr>
         </p15:guide>
-        <p15:guide id="4294967295" orient="horz" pos="240">
+        <p15:guide id="6" orient="horz" pos="240">
           <p15:clr>
             <a:srgbClr val="F26B43"/>
           </p15:clr>
@@ -6845,17 +6852,6 @@
           <a:bodyPr/>
           <a:lstStyle/>
           <a:p>
-            <a:r>
-              <a:rPr lang="es-ES" dirty="0" smtClean="0"/>
-              <a:t>THE</a:t>
-            </a:r>
-            <a:br>
-              <a:rPr lang="es-ES" dirty="0" smtClean="0"/>
-            </a:br>
-            <a:r>
-              <a:rPr lang="es-ES" dirty="0" smtClean="0"/>
-              <a:t>TEAM</a:t>
-            </a:r>
             <a:endParaRPr lang="es-ES" dirty="0"/>
           </a:p>
         </p:txBody>
@@ -7236,7 +7232,7 @@
         <p:spPr>
           <a:xfrm>
             <a:off x="1404730" y="1524000"/>
-            <a:ext cx="10349948" cy="2800767"/>
+            <a:ext cx="10349948" cy="4154984"/>
           </a:xfrm>
           <a:prstGeom prst="rect">
             <a:avLst/>
@@ -7275,8 +7271,29 @@
             </a:pPr>
             <a:r>
               <a:rPr lang="es-ES" sz="4400" dirty="0" smtClean="0"/>
-              <a:t>Experiencia de usuario.</a:t>
+              <a:t>Experiencia de usuario</a:t>
             </a:r>
+            <a:r>
+              <a:rPr lang="es-ES" sz="4400" dirty="0" smtClean="0"/>
+              <a:t>.</a:t>
+            </a:r>
+          </a:p>
+          <a:p>
+            <a:pPr marL="285750" indent="-285750">
+              <a:buFont typeface="Arial" panose="020B0604020202020204" pitchFamily="34" charset="0"/>
+              <a:buChar char="•"/>
+            </a:pPr>
+            <a:r>
+              <a:rPr lang="es-ES" sz="4400" dirty="0" smtClean="0"/>
+              <a:t>Reducir tráfico de vehículos.</a:t>
+            </a:r>
+          </a:p>
+          <a:p>
+            <a:pPr marL="285750" indent="-285750">
+              <a:buFont typeface="Arial" panose="020B0604020202020204" pitchFamily="34" charset="0"/>
+              <a:buChar char="•"/>
+            </a:pPr>
+            <a:endParaRPr lang="es-ES" sz="4400" dirty="0" smtClean="0"/>
           </a:p>
           <a:p>
             <a:pPr marL="285750" indent="-285750">
@@ -7386,6 +7403,91 @@
 </file>
 
 <file path=ppt/slides/slide5.xml><?xml version="1.0" encoding="utf-8"?>
+<p:sld xmlns:a="http://schemas.openxmlformats.org/drawingml/2006/main" xmlns:r="http://schemas.openxmlformats.org/officeDocument/2006/relationships" xmlns:p="http://schemas.openxmlformats.org/presentationml/2006/main">
+  <p:cSld>
+    <p:spTree>
+      <p:nvGrpSpPr>
+        <p:cNvPr id="1" name=""/>
+        <p:cNvGrpSpPr/>
+        <p:nvPr/>
+      </p:nvGrpSpPr>
+      <p:grpSpPr>
+        <a:xfrm>
+          <a:off x="0" y="0"/>
+          <a:ext cx="0" cy="0"/>
+          <a:chOff x="0" y="0"/>
+          <a:chExt cx="0" cy="0"/>
+        </a:xfrm>
+      </p:grpSpPr>
+      <p:sp>
+        <p:nvSpPr>
+          <p:cNvPr id="2" name="Title 1"/>
+          <p:cNvSpPr>
+            <a:spLocks noGrp="1"/>
+          </p:cNvSpPr>
+          <p:nvPr>
+            <p:ph type="title"/>
+          </p:nvPr>
+        </p:nvSpPr>
+        <p:spPr/>
+        <p:txBody>
+          <a:bodyPr/>
+          <a:lstStyle/>
+          <a:p>
+            <a:r>
+              <a:rPr lang="es-ES" dirty="0" smtClean="0"/>
+              <a:t>Modelo Negocio</a:t>
+            </a:r>
+            <a:endParaRPr lang="es-ES" dirty="0"/>
+          </a:p>
+        </p:txBody>
+      </p:sp>
+      <p:sp>
+        <p:nvSpPr>
+          <p:cNvPr id="3" name="Content Placeholder 2"/>
+          <p:cNvSpPr>
+            <a:spLocks noGrp="1"/>
+          </p:cNvSpPr>
+          <p:nvPr>
+            <p:ph idx="1"/>
+          </p:nvPr>
+        </p:nvSpPr>
+        <p:spPr/>
+        <p:txBody>
+          <a:bodyPr>
+            <a:normAutofit/>
+          </a:bodyPr>
+          <a:lstStyle/>
+          <a:p>
+            <a:r>
+              <a:rPr lang="es-ES" sz="4400" dirty="0" err="1" smtClean="0"/>
+              <a:t>Comisionable</a:t>
+            </a:r>
+            <a:endParaRPr lang="es-ES" sz="4400" dirty="0" smtClean="0"/>
+          </a:p>
+          <a:p>
+            <a:r>
+              <a:rPr lang="es-ES" sz="4400" dirty="0" smtClean="0"/>
+              <a:t>Publicidad</a:t>
+            </a:r>
+            <a:endParaRPr lang="es-ES" sz="4400" dirty="0"/>
+          </a:p>
+        </p:txBody>
+      </p:sp>
+    </p:spTree>
+    <p:extLst>
+      <p:ext uri="{BB962C8B-B14F-4D97-AF65-F5344CB8AC3E}">
+        <p14:creationId xmlns:p14="http://schemas.microsoft.com/office/powerpoint/2010/main" val="1077845247"/>
+      </p:ext>
+    </p:extLst>
+  </p:cSld>
+  <p:clrMapOvr>
+    <a:masterClrMapping/>
+  </p:clrMapOvr>
+</p:sld>
+</file>
+
+<file path=ppt/slides/slide6.xml><?xml version="1.0" encoding="utf-8"?>
 <p:sld xmlns:a="http://schemas.openxmlformats.org/drawingml/2006/main" xmlns:r="http://schemas.openxmlformats.org/officeDocument/2006/relationships" xmlns:p="http://schemas.openxmlformats.org/presentationml/2006/main">
   <p:cSld>
     <p:spTree>
@@ -7609,7 +7711,555 @@
 </p:sld>
 </file>
 
-<file path=ppt/slides/slide6.xml><?xml version="1.0" encoding="utf-8"?>
+<file path=ppt/slides/slide7.xml><?xml version="1.0" encoding="utf-8"?>
+<p:sld xmlns:a="http://schemas.openxmlformats.org/drawingml/2006/main" xmlns:r="http://schemas.openxmlformats.org/officeDocument/2006/relationships" xmlns:p="http://schemas.openxmlformats.org/presentationml/2006/main">
+  <p:cSld>
+    <p:spTree>
+      <p:nvGrpSpPr>
+        <p:cNvPr id="1" name=""/>
+        <p:cNvGrpSpPr/>
+        <p:nvPr/>
+      </p:nvGrpSpPr>
+      <p:grpSpPr>
+        <a:xfrm>
+          <a:off x="0" y="0"/>
+          <a:ext cx="0" cy="0"/>
+          <a:chOff x="0" y="0"/>
+          <a:chExt cx="0" cy="0"/>
+        </a:xfrm>
+      </p:grpSpPr>
+      <p:sp>
+        <p:nvSpPr>
+          <p:cNvPr id="2" name="Title 1"/>
+          <p:cNvSpPr>
+            <a:spLocks noGrp="1"/>
+          </p:cNvSpPr>
+          <p:nvPr>
+            <p:ph type="title"/>
+          </p:nvPr>
+        </p:nvSpPr>
+        <p:spPr/>
+        <p:txBody>
+          <a:bodyPr/>
+          <a:lstStyle/>
+          <a:p>
+            <a:r>
+              <a:rPr lang="es-ES" dirty="0" smtClean="0"/>
+              <a:t>ARQUITECTURA</a:t>
+            </a:r>
+            <a:endParaRPr lang="es-ES" dirty="0"/>
+          </a:p>
+        </p:txBody>
+      </p:sp>
+      <p:pic>
+        <p:nvPicPr>
+          <p:cNvPr id="4" name="Picture 3"/>
+          <p:cNvPicPr>
+            <a:picLocks noChangeAspect="1"/>
+          </p:cNvPicPr>
+          <p:nvPr/>
+        </p:nvPicPr>
+        <p:blipFill>
+          <a:blip r:embed="rId2">
+            <a:extLst>
+              <a:ext uri="{28A0092B-C50C-407E-A947-70E740481C1C}">
+                <a14:useLocalDpi xmlns:a14="http://schemas.microsoft.com/office/drawing/2010/main" val="0"/>
+              </a:ext>
+            </a:extLst>
+          </a:blip>
+          <a:stretch>
+            <a:fillRect/>
+          </a:stretch>
+        </p:blipFill>
+        <p:spPr>
+          <a:xfrm>
+            <a:off x="1656521" y="4433859"/>
+            <a:ext cx="2119935" cy="2212106"/>
+          </a:xfrm>
+          <a:prstGeom prst="rect">
+            <a:avLst/>
+          </a:prstGeom>
+        </p:spPr>
+      </p:pic>
+      <p:pic>
+        <p:nvPicPr>
+          <p:cNvPr id="5" name="Picture 4"/>
+          <p:cNvPicPr>
+            <a:picLocks noChangeAspect="1"/>
+          </p:cNvPicPr>
+          <p:nvPr/>
+        </p:nvPicPr>
+        <p:blipFill>
+          <a:blip r:embed="rId3">
+            <a:extLst>
+              <a:ext uri="{28A0092B-C50C-407E-A947-70E740481C1C}">
+                <a14:useLocalDpi xmlns:a14="http://schemas.microsoft.com/office/drawing/2010/main" val="0"/>
+              </a:ext>
+            </a:extLst>
+          </a:blip>
+          <a:stretch>
+            <a:fillRect/>
+          </a:stretch>
+        </p:blipFill>
+        <p:spPr>
+          <a:xfrm>
+            <a:off x="8388625" y="784125"/>
+            <a:ext cx="2089918" cy="2180784"/>
+          </a:xfrm>
+          <a:prstGeom prst="rect">
+            <a:avLst/>
+          </a:prstGeom>
+        </p:spPr>
+      </p:pic>
+      <p:pic>
+        <p:nvPicPr>
+          <p:cNvPr id="16" name="Picture 8" descr="http://www.blog-geographica.com/wp-content/uploads/2015/10/Logo-Carto.png"/>
+          <p:cNvPicPr>
+            <a:picLocks noChangeAspect="1" noChangeArrowheads="1"/>
+          </p:cNvPicPr>
+          <p:nvPr/>
+        </p:nvPicPr>
+        <p:blipFill>
+          <a:blip r:embed="rId4" cstate="print">
+            <a:extLst>
+              <a:ext uri="{28A0092B-C50C-407E-A947-70E740481C1C}">
+                <a14:useLocalDpi xmlns:a14="http://schemas.microsoft.com/office/drawing/2010/main" val="0"/>
+              </a:ext>
+            </a:extLst>
+          </a:blip>
+          <a:srcRect/>
+          <a:stretch>
+            <a:fillRect/>
+          </a:stretch>
+        </p:blipFill>
+        <p:spPr bwMode="auto">
+          <a:xfrm>
+            <a:off x="1575668" y="1545304"/>
+            <a:ext cx="2281640" cy="1072589"/>
+          </a:xfrm>
+          <a:prstGeom prst="rect">
+            <a:avLst/>
+          </a:prstGeom>
+          <a:noFill/>
+          <a:extLst>
+            <a:ext uri="{909E8E84-426E-40DD-AFC4-6F175D3DCCD1}">
+              <a14:hiddenFill xmlns:a14="http://schemas.microsoft.com/office/drawing/2010/main">
+                <a:solidFill>
+                  <a:srgbClr val="FFFFFF"/>
+                </a:solidFill>
+              </a14:hiddenFill>
+            </a:ext>
+          </a:extLst>
+        </p:spPr>
+      </p:pic>
+      <p:cxnSp>
+        <p:nvCxnSpPr>
+          <p:cNvPr id="18" name="Straight Arrow Connector 17"/>
+          <p:cNvCxnSpPr/>
+          <p:nvPr/>
+        </p:nvCxnSpPr>
+        <p:spPr>
+          <a:xfrm flipV="1">
+            <a:off x="2716488" y="2769704"/>
+            <a:ext cx="0" cy="1537253"/>
+          </a:xfrm>
+          <a:prstGeom prst="straightConnector1">
+            <a:avLst/>
+          </a:prstGeom>
+          <a:ln>
+            <a:tailEnd type="triangle"/>
+          </a:ln>
+        </p:spPr>
+        <p:style>
+          <a:lnRef idx="3">
+            <a:schemeClr val="dk1"/>
+          </a:lnRef>
+          <a:fillRef idx="0">
+            <a:schemeClr val="dk1"/>
+          </a:fillRef>
+          <a:effectRef idx="2">
+            <a:schemeClr val="dk1"/>
+          </a:effectRef>
+          <a:fontRef idx="minor">
+            <a:schemeClr val="tx1"/>
+          </a:fontRef>
+        </p:style>
+      </p:cxnSp>
+      <p:sp>
+        <p:nvSpPr>
+          <p:cNvPr id="19" name="TextBox 18"/>
+          <p:cNvSpPr txBox="1"/>
+          <p:nvPr/>
+        </p:nvSpPr>
+        <p:spPr>
+          <a:xfrm>
+            <a:off x="1026602" y="3402067"/>
+            <a:ext cx="1689886" cy="461665"/>
+          </a:xfrm>
+          <a:prstGeom prst="rect">
+            <a:avLst/>
+          </a:prstGeom>
+          <a:noFill/>
+        </p:spPr>
+        <p:txBody>
+          <a:bodyPr wrap="none" rtlCol="0">
+            <a:spAutoFit/>
+          </a:bodyPr>
+          <a:lstStyle/>
+          <a:p>
+            <a:r>
+              <a:rPr lang="es-ES" sz="2400" dirty="0" err="1" smtClean="0"/>
+              <a:t>Upload</a:t>
+            </a:r>
+            <a:r>
+              <a:rPr lang="es-ES" sz="2400" dirty="0" smtClean="0"/>
+              <a:t> data</a:t>
+            </a:r>
+            <a:endParaRPr lang="es-ES" sz="2400" dirty="0"/>
+          </a:p>
+        </p:txBody>
+      </p:sp>
+      <p:cxnSp>
+        <p:nvCxnSpPr>
+          <p:cNvPr id="21" name="Straight Arrow Connector 20"/>
+          <p:cNvCxnSpPr/>
+          <p:nvPr/>
+        </p:nvCxnSpPr>
+        <p:spPr>
+          <a:xfrm flipV="1">
+            <a:off x="3923568" y="1736035"/>
+            <a:ext cx="4332536" cy="337388"/>
+          </a:xfrm>
+          <a:prstGeom prst="straightConnector1">
+            <a:avLst/>
+          </a:prstGeom>
+          <a:ln>
+            <a:tailEnd type="triangle"/>
+          </a:ln>
+        </p:spPr>
+        <p:style>
+          <a:lnRef idx="3">
+            <a:schemeClr val="dk1"/>
+          </a:lnRef>
+          <a:fillRef idx="0">
+            <a:schemeClr val="dk1"/>
+          </a:fillRef>
+          <a:effectRef idx="2">
+            <a:schemeClr val="dk1"/>
+          </a:effectRef>
+          <a:fontRef idx="minor">
+            <a:schemeClr val="tx1"/>
+          </a:fontRef>
+        </p:style>
+      </p:cxnSp>
+      <p:sp>
+        <p:nvSpPr>
+          <p:cNvPr id="23" name="TextBox 22"/>
+          <p:cNvSpPr txBox="1"/>
+          <p:nvPr/>
+        </p:nvSpPr>
+        <p:spPr>
+          <a:xfrm rot="21306953">
+            <a:off x="4999520" y="1388203"/>
+            <a:ext cx="1702902" cy="461665"/>
+          </a:xfrm>
+          <a:prstGeom prst="rect">
+            <a:avLst/>
+          </a:prstGeom>
+          <a:noFill/>
+        </p:spPr>
+        <p:txBody>
+          <a:bodyPr wrap="none" rtlCol="0">
+            <a:spAutoFit/>
+          </a:bodyPr>
+          <a:lstStyle/>
+          <a:p>
+            <a:r>
+              <a:rPr lang="es-ES" sz="2400" dirty="0" err="1" smtClean="0"/>
+              <a:t>Render</a:t>
+            </a:r>
+            <a:r>
+              <a:rPr lang="es-ES" sz="2400" dirty="0" smtClean="0"/>
+              <a:t> </a:t>
+            </a:r>
+            <a:r>
+              <a:rPr lang="es-ES" sz="2400" dirty="0" err="1" smtClean="0"/>
+              <a:t>map</a:t>
+            </a:r>
+            <a:endParaRPr lang="es-ES" sz="2400" dirty="0"/>
+          </a:p>
+        </p:txBody>
+      </p:sp>
+      <p:pic>
+        <p:nvPicPr>
+          <p:cNvPr id="25" name="Picture 4" descr="http://www.muypymes.com/smallandsmart/wp-content/uploads/2016/04/CabifyLogoNegro_RGB.png"/>
+          <p:cNvPicPr>
+            <a:picLocks noChangeAspect="1" noChangeArrowheads="1"/>
+          </p:cNvPicPr>
+          <p:nvPr/>
+        </p:nvPicPr>
+        <p:blipFill>
+          <a:blip r:embed="rId5" cstate="print">
+            <a:extLst>
+              <a:ext uri="{28A0092B-C50C-407E-A947-70E740481C1C}">
+                <a14:useLocalDpi xmlns:a14="http://schemas.microsoft.com/office/drawing/2010/main" val="0"/>
+              </a:ext>
+            </a:extLst>
+          </a:blip>
+          <a:srcRect/>
+          <a:stretch>
+            <a:fillRect/>
+          </a:stretch>
+        </p:blipFill>
+        <p:spPr bwMode="auto">
+          <a:xfrm>
+            <a:off x="5760266" y="5844989"/>
+            <a:ext cx="2223956" cy="654836"/>
+          </a:xfrm>
+          <a:prstGeom prst="rect">
+            <a:avLst/>
+          </a:prstGeom>
+          <a:noFill/>
+          <a:extLst>
+            <a:ext uri="{909E8E84-426E-40DD-AFC4-6F175D3DCCD1}">
+              <a14:hiddenFill xmlns:a14="http://schemas.microsoft.com/office/drawing/2010/main">
+                <a:solidFill>
+                  <a:srgbClr val="FFFFFF"/>
+                </a:solidFill>
+              </a14:hiddenFill>
+            </a:ext>
+          </a:extLst>
+        </p:spPr>
+      </p:pic>
+      <p:pic>
+        <p:nvPicPr>
+          <p:cNvPr id="26" name="Picture 2" descr="https://imanesdeviaje.com/wp-content/uploads/2016/11/minube-logo_300x129.png"/>
+          <p:cNvPicPr>
+            <a:picLocks noChangeAspect="1" noChangeArrowheads="1"/>
+          </p:cNvPicPr>
+          <p:nvPr/>
+        </p:nvPicPr>
+        <p:blipFill>
+          <a:blip r:embed="rId6">
+            <a:extLst>
+              <a:ext uri="{28A0092B-C50C-407E-A947-70E740481C1C}">
+                <a14:useLocalDpi xmlns:a14="http://schemas.microsoft.com/office/drawing/2010/main" val="0"/>
+              </a:ext>
+            </a:extLst>
+          </a:blip>
+          <a:srcRect/>
+          <a:stretch>
+            <a:fillRect/>
+          </a:stretch>
+        </p:blipFill>
+        <p:spPr bwMode="auto">
+          <a:xfrm>
+            <a:off x="5478114" y="4635906"/>
+            <a:ext cx="2898724" cy="1246452"/>
+          </a:xfrm>
+          <a:prstGeom prst="rect">
+            <a:avLst/>
+          </a:prstGeom>
+          <a:noFill/>
+          <a:extLst>
+            <a:ext uri="{909E8E84-426E-40DD-AFC4-6F175D3DCCD1}">
+              <a14:hiddenFill xmlns:a14="http://schemas.microsoft.com/office/drawing/2010/main">
+                <a:solidFill>
+                  <a:srgbClr val="FFFFFF"/>
+                </a:solidFill>
+              </a14:hiddenFill>
+            </a:ext>
+          </a:extLst>
+        </p:spPr>
+      </p:pic>
+      <p:cxnSp>
+        <p:nvCxnSpPr>
+          <p:cNvPr id="28" name="Straight Arrow Connector 27"/>
+          <p:cNvCxnSpPr/>
+          <p:nvPr/>
+        </p:nvCxnSpPr>
+        <p:spPr>
+          <a:xfrm flipV="1">
+            <a:off x="3923568" y="5288120"/>
+            <a:ext cx="1554546" cy="22469"/>
+          </a:xfrm>
+          <a:prstGeom prst="straightConnector1">
+            <a:avLst/>
+          </a:prstGeom>
+          <a:ln>
+            <a:tailEnd type="triangle"/>
+          </a:ln>
+        </p:spPr>
+        <p:style>
+          <a:lnRef idx="3">
+            <a:schemeClr val="dk1"/>
+          </a:lnRef>
+          <a:fillRef idx="0">
+            <a:schemeClr val="dk1"/>
+          </a:fillRef>
+          <a:effectRef idx="2">
+            <a:schemeClr val="dk1"/>
+          </a:effectRef>
+          <a:fontRef idx="minor">
+            <a:schemeClr val="tx1"/>
+          </a:fontRef>
+        </p:style>
+      </p:cxnSp>
+      <p:cxnSp>
+        <p:nvCxnSpPr>
+          <p:cNvPr id="30" name="Straight Arrow Connector 29"/>
+          <p:cNvCxnSpPr/>
+          <p:nvPr/>
+        </p:nvCxnSpPr>
+        <p:spPr>
+          <a:xfrm>
+            <a:off x="3956235" y="6077761"/>
+            <a:ext cx="1535131" cy="49784"/>
+          </a:xfrm>
+          <a:prstGeom prst="straightConnector1">
+            <a:avLst/>
+          </a:prstGeom>
+          <a:ln>
+            <a:tailEnd type="triangle"/>
+          </a:ln>
+        </p:spPr>
+        <p:style>
+          <a:lnRef idx="3">
+            <a:schemeClr val="dk1"/>
+          </a:lnRef>
+          <a:fillRef idx="0">
+            <a:schemeClr val="dk1"/>
+          </a:fillRef>
+          <a:effectRef idx="2">
+            <a:schemeClr val="dk1"/>
+          </a:effectRef>
+          <a:fontRef idx="minor">
+            <a:schemeClr val="tx1"/>
+          </a:fontRef>
+        </p:style>
+      </p:cxnSp>
+      <p:pic>
+        <p:nvPicPr>
+          <p:cNvPr id="32" name="Picture 6" descr="http://vignette4.wikia.nocookie.net/fictionalcrossover/images/8/85/Microsoft.png/revision/latest?cb=20131205222356"/>
+          <p:cNvPicPr>
+            <a:picLocks noChangeAspect="1" noChangeArrowheads="1"/>
+          </p:cNvPicPr>
+          <p:nvPr/>
+        </p:nvPicPr>
+        <p:blipFill>
+          <a:blip r:embed="rId7" cstate="print">
+            <a:extLst>
+              <a:ext uri="{28A0092B-C50C-407E-A947-70E740481C1C}">
+                <a14:useLocalDpi xmlns:a14="http://schemas.microsoft.com/office/drawing/2010/main" val="0"/>
+              </a:ext>
+            </a:extLst>
+          </a:blip>
+          <a:srcRect/>
+          <a:stretch>
+            <a:fillRect/>
+          </a:stretch>
+        </p:blipFill>
+        <p:spPr bwMode="auto">
+          <a:xfrm>
+            <a:off x="8630094" y="4458437"/>
+            <a:ext cx="3105224" cy="1128749"/>
+          </a:xfrm>
+          <a:prstGeom prst="rect">
+            <a:avLst/>
+          </a:prstGeom>
+          <a:noFill/>
+          <a:extLst>
+            <a:ext uri="{909E8E84-426E-40DD-AFC4-6F175D3DCCD1}">
+              <a14:hiddenFill xmlns:a14="http://schemas.microsoft.com/office/drawing/2010/main">
+                <a:solidFill>
+                  <a:srgbClr val="FFFFFF"/>
+                </a:solidFill>
+              </a14:hiddenFill>
+            </a:ext>
+          </a:extLst>
+        </p:spPr>
+      </p:pic>
+      <p:cxnSp>
+        <p:nvCxnSpPr>
+          <p:cNvPr id="33" name="Straight Arrow Connector 32"/>
+          <p:cNvCxnSpPr/>
+          <p:nvPr/>
+        </p:nvCxnSpPr>
+        <p:spPr>
+          <a:xfrm>
+            <a:off x="9568071" y="3167841"/>
+            <a:ext cx="490329" cy="1504822"/>
+          </a:xfrm>
+          <a:prstGeom prst="straightConnector1">
+            <a:avLst/>
+          </a:prstGeom>
+          <a:ln>
+            <a:tailEnd type="triangle"/>
+          </a:ln>
+        </p:spPr>
+        <p:style>
+          <a:lnRef idx="3">
+            <a:schemeClr val="dk1"/>
+          </a:lnRef>
+          <a:fillRef idx="0">
+            <a:schemeClr val="dk1"/>
+          </a:fillRef>
+          <a:effectRef idx="2">
+            <a:schemeClr val="dk1"/>
+          </a:effectRef>
+          <a:fontRef idx="minor">
+            <a:schemeClr val="tx1"/>
+          </a:fontRef>
+        </p:style>
+      </p:cxnSp>
+      <p:cxnSp>
+        <p:nvCxnSpPr>
+          <p:cNvPr id="37" name="Straight Arrow Connector 36"/>
+          <p:cNvCxnSpPr/>
+          <p:nvPr/>
+        </p:nvCxnSpPr>
+        <p:spPr>
+          <a:xfrm flipV="1">
+            <a:off x="3989828" y="3014220"/>
+            <a:ext cx="4200015" cy="1621686"/>
+          </a:xfrm>
+          <a:prstGeom prst="straightConnector1">
+            <a:avLst/>
+          </a:prstGeom>
+          <a:ln>
+            <a:headEnd type="triangle"/>
+            <a:tailEnd type="triangle"/>
+          </a:ln>
+        </p:spPr>
+        <p:style>
+          <a:lnRef idx="3">
+            <a:schemeClr val="dk1"/>
+          </a:lnRef>
+          <a:fillRef idx="0">
+            <a:schemeClr val="dk1"/>
+          </a:fillRef>
+          <a:effectRef idx="2">
+            <a:schemeClr val="dk1"/>
+          </a:effectRef>
+          <a:fontRef idx="minor">
+            <a:schemeClr val="tx1"/>
+          </a:fontRef>
+        </p:style>
+      </p:cxnSp>
+    </p:spTree>
+    <p:extLst>
+      <p:ext uri="{BB962C8B-B14F-4D97-AF65-F5344CB8AC3E}">
+        <p14:creationId xmlns:p14="http://schemas.microsoft.com/office/powerpoint/2010/main" val="2359721353"/>
+      </p:ext>
+    </p:extLst>
+  </p:cSld>
+  <p:clrMapOvr>
+    <a:masterClrMapping/>
+  </p:clrMapOvr>
+</p:sld>
+</file>
+
+<file path=ppt/slides/slide8.xml><?xml version="1.0" encoding="utf-8"?>
 <p:sld xmlns:a="http://schemas.openxmlformats.org/drawingml/2006/main" xmlns:r="http://schemas.openxmlformats.org/officeDocument/2006/relationships" xmlns:p="http://schemas.openxmlformats.org/presentationml/2006/main">
   <p:cSld>
     <p:spTree>

--- a/presentacion.pptx
+++ b/presentacion.pptx
@@ -6852,6 +6852,10 @@
           <a:bodyPr/>
           <a:lstStyle/>
           <a:p>
+            <a:r>
+              <a:rPr lang="es-ES" dirty="0" smtClean="0"/>
+              <a:t>TEAM</a:t>
+            </a:r>
             <a:endParaRPr lang="es-ES" dirty="0"/>
           </a:p>
         </p:txBody>
@@ -6891,7 +6895,7 @@
         </p:nvSpPr>
         <p:spPr>
           <a:xfrm>
-            <a:off x="26504" y="4087114"/>
+            <a:off x="26504" y="3437757"/>
             <a:ext cx="12192000" cy="1569660"/>
           </a:xfrm>
           <a:prstGeom prst="rect">
@@ -7271,11 +7275,7 @@
             </a:pPr>
             <a:r>
               <a:rPr lang="es-ES" sz="4400" dirty="0" smtClean="0"/>
-              <a:t>Experiencia de usuario</a:t>
-            </a:r>
-            <a:r>
-              <a:rPr lang="es-ES" sz="4400" dirty="0" smtClean="0"/>
-              <a:t>.</a:t>
+              <a:t>Experiencia de usuario.</a:t>
             </a:r>
           </a:p>
           <a:p>

--- a/presentacion.pptx
+++ b/presentacion.pptx
@@ -9,10 +9,9 @@
     <p:sldId id="257" r:id="rId3"/>
     <p:sldId id="258" r:id="rId4"/>
     <p:sldId id="259" r:id="rId5"/>
-    <p:sldId id="262" r:id="rId6"/>
-    <p:sldId id="260" r:id="rId7"/>
-    <p:sldId id="263" r:id="rId8"/>
-    <p:sldId id="261" r:id="rId9"/>
+    <p:sldId id="260" r:id="rId6"/>
+    <p:sldId id="263" r:id="rId7"/>
+    <p:sldId id="261" r:id="rId8"/>
   </p:sldIdLst>
   <p:sldSz cx="12192000" cy="6858000"/>
   <p:notesSz cx="6858000" cy="9144000"/>
@@ -7436,91 +7435,6 @@
           <a:p>
             <a:r>
               <a:rPr lang="es-ES" dirty="0" smtClean="0"/>
-              <a:t>Modelo Negocio</a:t>
-            </a:r>
-            <a:endParaRPr lang="es-ES" dirty="0"/>
-          </a:p>
-        </p:txBody>
-      </p:sp>
-      <p:sp>
-        <p:nvSpPr>
-          <p:cNvPr id="3" name="Content Placeholder 2"/>
-          <p:cNvSpPr>
-            <a:spLocks noGrp="1"/>
-          </p:cNvSpPr>
-          <p:nvPr>
-            <p:ph idx="1"/>
-          </p:nvPr>
-        </p:nvSpPr>
-        <p:spPr/>
-        <p:txBody>
-          <a:bodyPr>
-            <a:normAutofit/>
-          </a:bodyPr>
-          <a:lstStyle/>
-          <a:p>
-            <a:r>
-              <a:rPr lang="es-ES" sz="4400" dirty="0" err="1" smtClean="0"/>
-              <a:t>Comisionable</a:t>
-            </a:r>
-            <a:endParaRPr lang="es-ES" sz="4400" dirty="0" smtClean="0"/>
-          </a:p>
-          <a:p>
-            <a:r>
-              <a:rPr lang="es-ES" sz="4400" dirty="0" smtClean="0"/>
-              <a:t>Publicidad</a:t>
-            </a:r>
-            <a:endParaRPr lang="es-ES" sz="4400" dirty="0"/>
-          </a:p>
-        </p:txBody>
-      </p:sp>
-    </p:spTree>
-    <p:extLst>
-      <p:ext uri="{BB962C8B-B14F-4D97-AF65-F5344CB8AC3E}">
-        <p14:creationId xmlns:p14="http://schemas.microsoft.com/office/powerpoint/2010/main" val="1077845247"/>
-      </p:ext>
-    </p:extLst>
-  </p:cSld>
-  <p:clrMapOvr>
-    <a:masterClrMapping/>
-  </p:clrMapOvr>
-</p:sld>
-</file>
-
-<file path=ppt/slides/slide6.xml><?xml version="1.0" encoding="utf-8"?>
-<p:sld xmlns:a="http://schemas.openxmlformats.org/drawingml/2006/main" xmlns:r="http://schemas.openxmlformats.org/officeDocument/2006/relationships" xmlns:p="http://schemas.openxmlformats.org/presentationml/2006/main">
-  <p:cSld>
-    <p:spTree>
-      <p:nvGrpSpPr>
-        <p:cNvPr id="1" name=""/>
-        <p:cNvGrpSpPr/>
-        <p:nvPr/>
-      </p:nvGrpSpPr>
-      <p:grpSpPr>
-        <a:xfrm>
-          <a:off x="0" y="0"/>
-          <a:ext cx="0" cy="0"/>
-          <a:chOff x="0" y="0"/>
-          <a:chExt cx="0" cy="0"/>
-        </a:xfrm>
-      </p:grpSpPr>
-      <p:sp>
-        <p:nvSpPr>
-          <p:cNvPr id="2" name="Title 1"/>
-          <p:cNvSpPr>
-            <a:spLocks noGrp="1"/>
-          </p:cNvSpPr>
-          <p:nvPr>
-            <p:ph type="title"/>
-          </p:nvPr>
-        </p:nvSpPr>
-        <p:spPr/>
-        <p:txBody>
-          <a:bodyPr/>
-          <a:lstStyle/>
-          <a:p>
-            <a:r>
-              <a:rPr lang="es-ES" dirty="0" smtClean="0"/>
               <a:t>APIS</a:t>
             </a:r>
             <a:endParaRPr lang="es-ES" dirty="0"/>
@@ -7550,8 +7464,8 @@
         </p:blipFill>
         <p:spPr bwMode="auto">
           <a:xfrm>
-            <a:off x="1049771" y="1243589"/>
-            <a:ext cx="5291068" cy="2275161"/>
+            <a:off x="1049771" y="1628094"/>
+            <a:ext cx="4396872" cy="1890656"/>
           </a:xfrm>
           <a:prstGeom prst="rect">
             <a:avLst/>
@@ -7591,8 +7505,8 @@
         </p:blipFill>
         <p:spPr bwMode="auto">
           <a:xfrm>
-            <a:off x="7360229" y="1846144"/>
-            <a:ext cx="4166753" cy="1226886"/>
+            <a:off x="7712765" y="1846144"/>
+            <a:ext cx="3814217" cy="1123083"/>
           </a:xfrm>
           <a:prstGeom prst="rect">
             <a:avLst/>
@@ -7632,8 +7546,8 @@
         </p:blipFill>
         <p:spPr bwMode="auto">
           <a:xfrm>
-            <a:off x="6111587" y="4271544"/>
-            <a:ext cx="6470072" cy="2351871"/>
+            <a:off x="6930887" y="4569360"/>
+            <a:ext cx="5650772" cy="2054055"/>
           </a:xfrm>
           <a:prstGeom prst="rect">
             <a:avLst/>
@@ -7673,8 +7587,49 @@
         </p:blipFill>
         <p:spPr bwMode="auto">
           <a:xfrm>
-            <a:off x="1251678" y="4278884"/>
-            <a:ext cx="4987348" cy="2344531"/>
+            <a:off x="1251678" y="4651380"/>
+            <a:ext cx="4194965" cy="1972035"/>
+          </a:xfrm>
+          <a:prstGeom prst="rect">
+            <a:avLst/>
+          </a:prstGeom>
+          <a:noFill/>
+          <a:extLst>
+            <a:ext uri="{909E8E84-426E-40DD-AFC4-6F175D3DCCD1}">
+              <a14:hiddenFill xmlns:a14="http://schemas.microsoft.com/office/drawing/2010/main">
+                <a:solidFill>
+                  <a:srgbClr val="FFFFFF"/>
+                </a:solidFill>
+              </a14:hiddenFill>
+            </a:ext>
+          </a:extLst>
+        </p:spPr>
+      </p:pic>
+      <p:pic>
+        <p:nvPicPr>
+          <p:cNvPr id="1026" name="Picture 2" descr="https://upload.wikimedia.org/wikipedia/commons/4/42/Nuevo_Escudo_de_Madrid.png"/>
+          <p:cNvPicPr>
+            <a:picLocks noChangeAspect="1" noChangeArrowheads="1"/>
+          </p:cNvPicPr>
+          <p:nvPr/>
+        </p:nvPicPr>
+        <p:blipFill>
+          <a:blip r:embed="rId6">
+            <a:extLst>
+              <a:ext uri="{28A0092B-C50C-407E-A947-70E740481C1C}">
+                <a14:useLocalDpi xmlns:a14="http://schemas.microsoft.com/office/drawing/2010/main" val="0"/>
+              </a:ext>
+            </a:extLst>
+          </a:blip>
+          <a:srcRect/>
+          <a:stretch>
+            <a:fillRect/>
+          </a:stretch>
+        </p:blipFill>
+        <p:spPr bwMode="auto">
+          <a:xfrm>
+            <a:off x="5962527" y="2796209"/>
+            <a:ext cx="1500920" cy="2438996"/>
           </a:xfrm>
           <a:prstGeom prst="rect">
             <a:avLst/>
@@ -7711,7 +7666,7 @@
 </p:sld>
 </file>
 
-<file path=ppt/slides/slide7.xml><?xml version="1.0" encoding="utf-8"?>
+<file path=ppt/slides/slide6.xml><?xml version="1.0" encoding="utf-8"?>
 <p:sld xmlns:a="http://schemas.openxmlformats.org/drawingml/2006/main" xmlns:r="http://schemas.openxmlformats.org/officeDocument/2006/relationships" xmlns:p="http://schemas.openxmlformats.org/presentationml/2006/main">
   <p:cSld>
     <p:spTree>
@@ -7992,14 +7947,14 @@
       </p:sp>
       <p:pic>
         <p:nvPicPr>
-          <p:cNvPr id="25" name="Picture 4" descr="http://www.muypymes.com/smallandsmart/wp-content/uploads/2016/04/CabifyLogoNegro_RGB.png"/>
+          <p:cNvPr id="26" name="Picture 2" descr="https://imanesdeviaje.com/wp-content/uploads/2016/11/minube-logo_300x129.png"/>
           <p:cNvPicPr>
             <a:picLocks noChangeAspect="1" noChangeArrowheads="1"/>
           </p:cNvPicPr>
           <p:nvPr/>
         </p:nvPicPr>
         <p:blipFill>
-          <a:blip r:embed="rId5" cstate="print">
+          <a:blip r:embed="rId5">
             <a:extLst>
               <a:ext uri="{28A0092B-C50C-407E-A947-70E740481C1C}">
                 <a14:useLocalDpi xmlns:a14="http://schemas.microsoft.com/office/drawing/2010/main" val="0"/>
@@ -8013,48 +7968,7 @@
         </p:blipFill>
         <p:spPr bwMode="auto">
           <a:xfrm>
-            <a:off x="5760266" y="5844989"/>
-            <a:ext cx="2223956" cy="654836"/>
-          </a:xfrm>
-          <a:prstGeom prst="rect">
-            <a:avLst/>
-          </a:prstGeom>
-          <a:noFill/>
-          <a:extLst>
-            <a:ext uri="{909E8E84-426E-40DD-AFC4-6F175D3DCCD1}">
-              <a14:hiddenFill xmlns:a14="http://schemas.microsoft.com/office/drawing/2010/main">
-                <a:solidFill>
-                  <a:srgbClr val="FFFFFF"/>
-                </a:solidFill>
-              </a14:hiddenFill>
-            </a:ext>
-          </a:extLst>
-        </p:spPr>
-      </p:pic>
-      <p:pic>
-        <p:nvPicPr>
-          <p:cNvPr id="26" name="Picture 2" descr="https://imanesdeviaje.com/wp-content/uploads/2016/11/minube-logo_300x129.png"/>
-          <p:cNvPicPr>
-            <a:picLocks noChangeAspect="1" noChangeArrowheads="1"/>
-          </p:cNvPicPr>
-          <p:nvPr/>
-        </p:nvPicPr>
-        <p:blipFill>
-          <a:blip r:embed="rId6">
-            <a:extLst>
-              <a:ext uri="{28A0092B-C50C-407E-A947-70E740481C1C}">
-                <a14:useLocalDpi xmlns:a14="http://schemas.microsoft.com/office/drawing/2010/main" val="0"/>
-              </a:ext>
-            </a:extLst>
-          </a:blip>
-          <a:srcRect/>
-          <a:stretch>
-            <a:fillRect/>
-          </a:stretch>
-        </p:blipFill>
-        <p:spPr bwMode="auto">
-          <a:xfrm>
-            <a:off x="5478114" y="4635906"/>
+            <a:off x="5567250" y="5232653"/>
             <a:ext cx="2898724" cy="1246452"/>
           </a:xfrm>
           <a:prstGeom prst="rect">
@@ -8080,7 +7994,7 @@
         </p:nvCxnSpPr>
         <p:spPr>
           <a:xfrm flipV="1">
-            <a:off x="3923568" y="5288120"/>
+            <a:off x="3883452" y="5859914"/>
             <a:ext cx="1554546" cy="22469"/>
           </a:xfrm>
           <a:prstGeom prst="straightConnector1">
@@ -8113,7 +8027,7 @@
         </p:nvCxnSpPr>
         <p:spPr>
           <a:xfrm>
-            <a:off x="3956235" y="6077761"/>
+            <a:off x="3913004" y="6334438"/>
             <a:ext cx="1535131" cy="49784"/>
           </a:xfrm>
           <a:prstGeom prst="straightConnector1">
@@ -8147,7 +8061,7 @@
           <p:nvPr/>
         </p:nvPicPr>
         <p:blipFill>
-          <a:blip r:embed="rId7" cstate="print">
+          <a:blip r:embed="rId6" cstate="print">
             <a:extLst>
               <a:ext uri="{28A0092B-C50C-407E-A947-70E740481C1C}">
                 <a14:useLocalDpi xmlns:a14="http://schemas.microsoft.com/office/drawing/2010/main" val="0"/>
@@ -8246,6 +8160,121 @@
           </a:fontRef>
         </p:style>
       </p:cxnSp>
+      <p:pic>
+        <p:nvPicPr>
+          <p:cNvPr id="17" name="Picture 2" descr="https://upload.wikimedia.org/wikipedia/commons/4/42/Nuevo_Escudo_de_Madrid.png"/>
+          <p:cNvPicPr>
+            <a:picLocks noChangeAspect="1" noChangeArrowheads="1"/>
+          </p:cNvPicPr>
+          <p:nvPr/>
+        </p:nvPicPr>
+        <p:blipFill>
+          <a:blip r:embed="rId7">
+            <a:extLst>
+              <a:ext uri="{28A0092B-C50C-407E-A947-70E740481C1C}">
+                <a14:useLocalDpi xmlns:a14="http://schemas.microsoft.com/office/drawing/2010/main" val="0"/>
+              </a:ext>
+            </a:extLst>
+          </a:blip>
+          <a:srcRect/>
+          <a:stretch>
+            <a:fillRect/>
+          </a:stretch>
+        </p:blipFill>
+        <p:spPr bwMode="auto">
+          <a:xfrm>
+            <a:off x="6631420" y="3827289"/>
+            <a:ext cx="1121614" cy="1822624"/>
+          </a:xfrm>
+          <a:prstGeom prst="rect">
+            <a:avLst/>
+          </a:prstGeom>
+          <a:noFill/>
+          <a:extLst>
+            <a:ext uri="{909E8E84-426E-40DD-AFC4-6F175D3DCCD1}">
+              <a14:hiddenFill xmlns:a14="http://schemas.microsoft.com/office/drawing/2010/main">
+                <a:solidFill>
+                  <a:srgbClr val="FFFFFF"/>
+                </a:solidFill>
+              </a14:hiddenFill>
+            </a:ext>
+          </a:extLst>
+        </p:spPr>
+      </p:pic>
+      <p:pic>
+        <p:nvPicPr>
+          <p:cNvPr id="25" name="Picture 4" descr="http://www.muypymes.com/smallandsmart/wp-content/uploads/2016/04/CabifyLogoNegro_RGB.png"/>
+          <p:cNvPicPr>
+            <a:picLocks noChangeAspect="1" noChangeArrowheads="1"/>
+          </p:cNvPicPr>
+          <p:nvPr/>
+        </p:nvPicPr>
+        <p:blipFill>
+          <a:blip r:embed="rId8" cstate="print">
+            <a:extLst>
+              <a:ext uri="{28A0092B-C50C-407E-A947-70E740481C1C}">
+                <a14:useLocalDpi xmlns:a14="http://schemas.microsoft.com/office/drawing/2010/main" val="0"/>
+              </a:ext>
+            </a:extLst>
+          </a:blip>
+          <a:srcRect/>
+          <a:stretch>
+            <a:fillRect/>
+          </a:stretch>
+        </p:blipFill>
+        <p:spPr bwMode="auto">
+          <a:xfrm>
+            <a:off x="5607006" y="6273164"/>
+            <a:ext cx="2223956" cy="654836"/>
+          </a:xfrm>
+          <a:prstGeom prst="rect">
+            <a:avLst/>
+          </a:prstGeom>
+          <a:noFill/>
+          <a:extLst>
+            <a:ext uri="{909E8E84-426E-40DD-AFC4-6F175D3DCCD1}">
+              <a14:hiddenFill xmlns:a14="http://schemas.microsoft.com/office/drawing/2010/main">
+                <a:solidFill>
+                  <a:srgbClr val="FFFFFF"/>
+                </a:solidFill>
+              </a14:hiddenFill>
+            </a:ext>
+          </a:extLst>
+        </p:spPr>
+      </p:pic>
+      <p:cxnSp>
+        <p:nvCxnSpPr>
+          <p:cNvPr id="20" name="Straight Arrow Connector 19"/>
+          <p:cNvCxnSpPr/>
+          <p:nvPr/>
+        </p:nvCxnSpPr>
+        <p:spPr>
+          <a:xfrm flipV="1">
+            <a:off x="3876243" y="4711744"/>
+            <a:ext cx="2630574" cy="524933"/>
+          </a:xfrm>
+          <a:prstGeom prst="straightConnector1">
+            <a:avLst/>
+          </a:prstGeom>
+          <a:ln>
+            <a:tailEnd type="triangle"/>
+          </a:ln>
+        </p:spPr>
+        <p:style>
+          <a:lnRef idx="3">
+            <a:schemeClr val="dk1"/>
+          </a:lnRef>
+          <a:fillRef idx="0">
+            <a:schemeClr val="dk1"/>
+          </a:fillRef>
+          <a:effectRef idx="2">
+            <a:schemeClr val="dk1"/>
+          </a:effectRef>
+          <a:fontRef idx="minor">
+            <a:schemeClr val="tx1"/>
+          </a:fontRef>
+        </p:style>
+      </p:cxnSp>
     </p:spTree>
     <p:extLst>
       <p:ext uri="{BB962C8B-B14F-4D97-AF65-F5344CB8AC3E}">
@@ -8259,7 +8288,7 @@
 </p:sld>
 </file>
 
-<file path=ppt/slides/slide8.xml><?xml version="1.0" encoding="utf-8"?>
+<file path=ppt/slides/slide7.xml><?xml version="1.0" encoding="utf-8"?>
 <p:sld xmlns:a="http://schemas.openxmlformats.org/drawingml/2006/main" xmlns:r="http://schemas.openxmlformats.org/officeDocument/2006/relationships" xmlns:p="http://schemas.openxmlformats.org/presentationml/2006/main">
   <p:cSld>
     <p:spTree>

--- a/presentacion.pptx
+++ b/presentacion.pptx
@@ -7077,9 +7077,66 @@
           </a:extLst>
         </p:spPr>
       </p:pic>
+      <p:sp>
+        <p:nvSpPr>
+          <p:cNvPr id="3" name="Rectangle 2"/>
+          <p:cNvSpPr/>
+          <p:nvPr/>
+        </p:nvSpPr>
+        <p:spPr>
+          <a:xfrm rot="1259553">
+            <a:off x="7365203" y="574454"/>
+            <a:ext cx="4517583" cy="1107996"/>
+          </a:xfrm>
+          <a:prstGeom prst="rect">
+            <a:avLst/>
+          </a:prstGeom>
+          <a:noFill/>
+        </p:spPr>
+        <p:txBody>
+          <a:bodyPr wrap="none" lIns="91440" tIns="45720" rIns="91440" bIns="45720">
+            <a:spAutoFit/>
+          </a:bodyPr>
+          <a:lstStyle/>
+          <a:p>
+            <a:pPr algn="ctr"/>
+            <a:r>
+              <a:rPr lang="en-US" sz="6600" b="0" cap="none" spc="0" dirty="0" smtClean="0">
+                <a:ln w="0"/>
+                <a:solidFill>
+                  <a:schemeClr val="tx1"/>
+                </a:solidFill>
+                <a:effectLst>
+                  <a:outerShdw blurRad="38100" dist="19050" dir="2700000" algn="tl" rotWithShape="0">
+                    <a:schemeClr val="dk1">
+                      <a:alpha val="40000"/>
+                    </a:schemeClr>
+                  </a:outerShdw>
+                </a:effectLst>
+                <a:latin typeface="+mj-lt"/>
+              </a:rPr>
+              <a:t>The Problem</a:t>
+            </a:r>
+            <a:endParaRPr lang="en-US" sz="6600" b="0" cap="none" spc="0" dirty="0">
+              <a:ln w="0"/>
+              <a:solidFill>
+                <a:schemeClr val="tx1"/>
+              </a:solidFill>
+              <a:effectLst>
+                <a:outerShdw blurRad="38100" dist="19050" dir="2700000" algn="tl" rotWithShape="0">
+                  <a:schemeClr val="dk1">
+                    <a:alpha val="40000"/>
+                  </a:schemeClr>
+                </a:outerShdw>
+              </a:effectLst>
+              <a:latin typeface="+mj-lt"/>
+            </a:endParaRPr>
+          </a:p>
+        </p:txBody>
+      </p:sp>
       <p:pic>
         <p:nvPicPr>
-          <p:cNvPr id="1028" name="Picture 4" descr="http://charlasdeseguridad.com.ar/wp-content/uploads/2013/01/plantas-de-energia-a-carbon.jpg"/>
+          <p:cNvPr id="5" name="Picture 4" descr="http://www.cerodosbe.com/uploads/s1/10/94/77/crowdedbarcelona_632x334.jpg"/>
           <p:cNvPicPr>
             <a:picLocks noChangeAspect="1" noChangeArrowheads="1"/>
           </p:cNvPicPr>
@@ -7100,8 +7157,8 @@
         </p:blipFill>
         <p:spPr bwMode="auto">
           <a:xfrm>
-            <a:off x="6119053" y="1752279"/>
-            <a:ext cx="5715000" cy="3838576"/>
+            <a:off x="5839181" y="2175945"/>
+            <a:ext cx="6021376" cy="3182183"/>
           </a:xfrm>
           <a:prstGeom prst="rect">
             <a:avLst/>
@@ -8285,6 +8342,13 @@
   <p:clrMapOvr>
     <a:masterClrMapping/>
   </p:clrMapOvr>
+  <p:timing>
+    <p:tnLst>
+      <p:par>
+        <p:cTn id="1" dur="indefinite" restart="never" nodeType="tmRoot"/>
+      </p:par>
+    </p:tnLst>
+  </p:timing>
 </p:sld>
 </file>
 
@@ -8447,6 +8511,13 @@
   <p:clrMapOvr>
     <a:masterClrMapping/>
   </p:clrMapOvr>
+  <p:timing>
+    <p:tnLst>
+      <p:par>
+        <p:cTn id="1" dur="indefinite" restart="never" nodeType="tmRoot"/>
+      </p:par>
+    </p:tnLst>
+  </p:timing>
 </p:sld>
 </file>
 
